--- a/DevNexus Followup Workshops.pptx
+++ b/DevNexus Followup Workshops.pptx
@@ -5,13 +5,14 @@
     <p:sldMasterId id="2147483671" r:id="rId1"/>
   </p:sldMasterIdLst>
   <p:notesMasterIdLst>
-    <p:notesMasterId r:id="rId3"/>
+    <p:notesMasterId r:id="rId4"/>
   </p:notesMasterIdLst>
   <p:handoutMasterIdLst>
-    <p:handoutMasterId r:id="rId4"/>
+    <p:handoutMasterId r:id="rId5"/>
   </p:handoutMasterIdLst>
   <p:sldIdLst>
     <p:sldId id="431" r:id="rId2"/>
+    <p:sldId id="432" r:id="rId3"/>
   </p:sldIdLst>
   <p:sldSz cx="9144000" cy="5143500" type="screen16x9"/>
   <p:notesSz cx="6934200" cy="9220200"/>
@@ -6688,6 +6689,531 @@
     <p:extLst>
       <p:ext uri="{BB962C8B-B14F-4D97-AF65-F5344CB8AC3E}">
         <p14:creationId xmlns:p14="http://schemas.microsoft.com/office/powerpoint/2010/main" val="832342898"/>
+      </p:ext>
+    </p:extLst>
+  </p:cSld>
+  <p:clrMapOvr>
+    <a:masterClrMapping/>
+  </p:clrMapOvr>
+  <mc:AlternateContent xmlns:mc="http://schemas.openxmlformats.org/markup-compatibility/2006" xmlns:p14="http://schemas.microsoft.com/office/powerpoint/2010/main">
+    <mc:Choice Requires="p14">
+      <p:transition spd="med" p14:dur="700">
+        <p:fade/>
+      </p:transition>
+    </mc:Choice>
+    <mc:Fallback xmlns="">
+      <p:transition xmlns:p14="http://schemas.microsoft.com/office/powerpoint/2010/main" spd="med">
+        <p:fade/>
+      </p:transition>
+    </mc:Fallback>
+  </mc:AlternateContent>
+  <p:timing>
+    <p:tnLst>
+      <p:par>
+        <p:cTn xmlns:p14="http://schemas.microsoft.com/office/powerpoint/2010/main" id="1" dur="indefinite" restart="never" nodeType="tmRoot"/>
+      </p:par>
+    </p:tnLst>
+  </p:timing>
+</p:sld>
+</file>
+
+<file path=ppt/slides/slide2.xml><?xml version="1.0" encoding="utf-8"?>
+<p:sld xmlns:a="http://schemas.openxmlformats.org/drawingml/2006/main" xmlns:r="http://schemas.openxmlformats.org/officeDocument/2006/relationships" xmlns:p="http://schemas.openxmlformats.org/presentationml/2006/main">
+  <p:cSld>
+    <p:spTree>
+      <p:nvGrpSpPr>
+        <p:cNvPr id="1" name=""/>
+        <p:cNvGrpSpPr/>
+        <p:nvPr/>
+      </p:nvGrpSpPr>
+      <p:grpSpPr>
+        <a:xfrm>
+          <a:off x="0" y="0"/>
+          <a:ext cx="0" cy="0"/>
+          <a:chOff x="0" y="0"/>
+          <a:chExt cx="0" cy="0"/>
+        </a:xfrm>
+      </p:grpSpPr>
+      <p:sp>
+        <p:nvSpPr>
+          <p:cNvPr id="2" name="Title 1"/>
+          <p:cNvSpPr>
+            <a:spLocks noGrp="1"/>
+          </p:cNvSpPr>
+          <p:nvPr>
+            <p:ph type="title"/>
+          </p:nvPr>
+        </p:nvSpPr>
+        <p:spPr/>
+        <p:txBody>
+          <a:bodyPr/>
+          <a:lstStyle/>
+          <a:p>
+            <a:endParaRPr lang="en-US"/>
+          </a:p>
+        </p:txBody>
+      </p:sp>
+      <p:sp>
+        <p:nvSpPr>
+          <p:cNvPr id="3" name="Text Placeholder 2"/>
+          <p:cNvSpPr>
+            <a:spLocks noGrp="1"/>
+          </p:cNvSpPr>
+          <p:nvPr>
+            <p:ph type="body" sz="quarter" idx="13"/>
+          </p:nvPr>
+        </p:nvSpPr>
+        <p:spPr/>
+        <p:txBody>
+          <a:bodyPr/>
+          <a:lstStyle/>
+          <a:p>
+            <a:endParaRPr lang="en-US"/>
+          </a:p>
+        </p:txBody>
+      </p:sp>
+      <p:pic>
+        <p:nvPicPr>
+          <p:cNvPr id="4" name="Picture 3" descr="qrcode.38932218.png"/>
+          <p:cNvPicPr>
+            <a:picLocks noChangeAspect="1"/>
+          </p:cNvPicPr>
+          <p:nvPr/>
+        </p:nvPicPr>
+        <p:blipFill>
+          <a:blip r:embed="rId2">
+            <a:extLst>
+              <a:ext uri="{28A0092B-C50C-407E-A947-70E740481C1C}">
+                <a14:useLocalDpi xmlns:a14="http://schemas.microsoft.com/office/drawing/2010/main" val="0"/>
+              </a:ext>
+            </a:extLst>
+          </a:blip>
+          <a:stretch>
+            <a:fillRect/>
+          </a:stretch>
+        </p:blipFill>
+        <p:spPr>
+          <a:xfrm>
+            <a:off x="0" y="0"/>
+            <a:ext cx="1905000" cy="1905000"/>
+          </a:xfrm>
+          <a:prstGeom prst="rect">
+            <a:avLst/>
+          </a:prstGeom>
+        </p:spPr>
+      </p:pic>
+      <p:sp>
+        <p:nvSpPr>
+          <p:cNvPr id="5" name="TextBox 4"/>
+          <p:cNvSpPr txBox="1"/>
+          <p:nvPr/>
+        </p:nvSpPr>
+        <p:spPr>
+          <a:xfrm>
+            <a:off x="110966" y="1800303"/>
+            <a:ext cx="1701496" cy="261610"/>
+          </a:xfrm>
+          <a:prstGeom prst="rect">
+            <a:avLst/>
+          </a:prstGeom>
+          <a:noFill/>
+        </p:spPr>
+        <p:txBody>
+          <a:bodyPr wrap="square" rtlCol="0">
+            <a:spAutoFit/>
+          </a:bodyPr>
+          <a:lstStyle/>
+          <a:p>
+            <a:pPr algn="ctr"/>
+            <a:r>
+              <a:rPr lang="en-US" sz="1050" dirty="0" smtClean="0">
+                <a:solidFill>
+                  <a:schemeClr val="bg2"/>
+                </a:solidFill>
+              </a:rPr>
+              <a:t>CD With Concourse</a:t>
+            </a:r>
+            <a:endParaRPr lang="en-US" sz="1050" dirty="0" smtClean="0">
+              <a:solidFill>
+                <a:schemeClr val="bg2"/>
+              </a:solidFill>
+            </a:endParaRPr>
+          </a:p>
+        </p:txBody>
+      </p:sp>
+      <p:pic>
+        <p:nvPicPr>
+          <p:cNvPr id="6" name="Picture 5" descr="qrcode.2012.png"/>
+          <p:cNvPicPr>
+            <a:picLocks noChangeAspect="1"/>
+          </p:cNvPicPr>
+          <p:nvPr/>
+        </p:nvPicPr>
+        <p:blipFill>
+          <a:blip r:embed="rId3">
+            <a:extLst>
+              <a:ext uri="{28A0092B-C50C-407E-A947-70E740481C1C}">
+                <a14:useLocalDpi xmlns:a14="http://schemas.microsoft.com/office/drawing/2010/main" val="0"/>
+              </a:ext>
+            </a:extLst>
+          </a:blip>
+          <a:stretch>
+            <a:fillRect/>
+          </a:stretch>
+        </p:blipFill>
+        <p:spPr>
+          <a:xfrm>
+            <a:off x="2139938" y="0"/>
+            <a:ext cx="1905000" cy="1905000"/>
+          </a:xfrm>
+          <a:prstGeom prst="rect">
+            <a:avLst/>
+          </a:prstGeom>
+        </p:spPr>
+      </p:pic>
+      <p:pic>
+        <p:nvPicPr>
+          <p:cNvPr id="7" name="Picture 6" descr="qrcode.3012.png"/>
+          <p:cNvPicPr>
+            <a:picLocks noChangeAspect="1"/>
+          </p:cNvPicPr>
+          <p:nvPr/>
+        </p:nvPicPr>
+        <p:blipFill>
+          <a:blip r:embed="rId4">
+            <a:extLst>
+              <a:ext uri="{28A0092B-C50C-407E-A947-70E740481C1C}">
+                <a14:useLocalDpi xmlns:a14="http://schemas.microsoft.com/office/drawing/2010/main" val="0"/>
+              </a:ext>
+            </a:extLst>
+          </a:blip>
+          <a:stretch>
+            <a:fillRect/>
+          </a:stretch>
+        </p:blipFill>
+        <p:spPr>
+          <a:xfrm>
+            <a:off x="4260643" y="0"/>
+            <a:ext cx="1905000" cy="1905000"/>
+          </a:xfrm>
+          <a:prstGeom prst="rect">
+            <a:avLst/>
+          </a:prstGeom>
+        </p:spPr>
+      </p:pic>
+      <p:pic>
+        <p:nvPicPr>
+          <p:cNvPr id="8" name="Picture 7" descr="qrcode.4012.png"/>
+          <p:cNvPicPr>
+            <a:picLocks noChangeAspect="1"/>
+          </p:cNvPicPr>
+          <p:nvPr/>
+        </p:nvPicPr>
+        <p:blipFill>
+          <a:blip r:embed="rId5">
+            <a:extLst>
+              <a:ext uri="{28A0092B-C50C-407E-A947-70E740481C1C}">
+                <a14:useLocalDpi xmlns:a14="http://schemas.microsoft.com/office/drawing/2010/main" val="0"/>
+              </a:ext>
+            </a:extLst>
+          </a:blip>
+          <a:stretch>
+            <a:fillRect/>
+          </a:stretch>
+        </p:blipFill>
+        <p:spPr>
+          <a:xfrm>
+            <a:off x="6825217" y="0"/>
+            <a:ext cx="1905000" cy="1905000"/>
+          </a:xfrm>
+          <a:prstGeom prst="rect">
+            <a:avLst/>
+          </a:prstGeom>
+        </p:spPr>
+      </p:pic>
+      <p:pic>
+        <p:nvPicPr>
+          <p:cNvPr id="9" name="Picture 8" descr="qrcode.5012.png"/>
+          <p:cNvPicPr>
+            <a:picLocks noChangeAspect="1"/>
+          </p:cNvPicPr>
+          <p:nvPr/>
+        </p:nvPicPr>
+        <p:blipFill>
+          <a:blip r:embed="rId6">
+            <a:extLst>
+              <a:ext uri="{28A0092B-C50C-407E-A947-70E740481C1C}">
+                <a14:useLocalDpi xmlns:a14="http://schemas.microsoft.com/office/drawing/2010/main" val="0"/>
+              </a:ext>
+            </a:extLst>
+          </a:blip>
+          <a:stretch>
+            <a:fillRect/>
+          </a:stretch>
+        </p:blipFill>
+        <p:spPr>
+          <a:xfrm>
+            <a:off x="1467233" y="2525381"/>
+            <a:ext cx="1905000" cy="1905000"/>
+          </a:xfrm>
+          <a:prstGeom prst="rect">
+            <a:avLst/>
+          </a:prstGeom>
+        </p:spPr>
+      </p:pic>
+      <p:pic>
+        <p:nvPicPr>
+          <p:cNvPr id="10" name="Picture 9" descr="qrcode.6012.png"/>
+          <p:cNvPicPr>
+            <a:picLocks noChangeAspect="1"/>
+          </p:cNvPicPr>
+          <p:nvPr/>
+        </p:nvPicPr>
+        <p:blipFill>
+          <a:blip r:embed="rId7">
+            <a:extLst>
+              <a:ext uri="{28A0092B-C50C-407E-A947-70E740481C1C}">
+                <a14:useLocalDpi xmlns:a14="http://schemas.microsoft.com/office/drawing/2010/main" val="0"/>
+              </a:ext>
+            </a:extLst>
+          </a:blip>
+          <a:stretch>
+            <a:fillRect/>
+          </a:stretch>
+        </p:blipFill>
+        <p:spPr>
+          <a:xfrm>
+            <a:off x="6381349" y="2574706"/>
+            <a:ext cx="1905000" cy="1905000"/>
+          </a:xfrm>
+          <a:prstGeom prst="rect">
+            <a:avLst/>
+          </a:prstGeom>
+        </p:spPr>
+      </p:pic>
+      <p:sp>
+        <p:nvSpPr>
+          <p:cNvPr id="11" name="TextBox 10"/>
+          <p:cNvSpPr txBox="1"/>
+          <p:nvPr/>
+        </p:nvSpPr>
+        <p:spPr>
+          <a:xfrm>
+            <a:off x="2310094" y="1829395"/>
+            <a:ext cx="1701496" cy="415498"/>
+          </a:xfrm>
+          <a:prstGeom prst="rect">
+            <a:avLst/>
+          </a:prstGeom>
+          <a:noFill/>
+        </p:spPr>
+        <p:txBody>
+          <a:bodyPr wrap="square" rtlCol="0">
+            <a:spAutoFit/>
+          </a:bodyPr>
+          <a:lstStyle/>
+          <a:p>
+            <a:pPr algn="ctr"/>
+            <a:r>
+              <a:rPr lang="en-US" sz="1050" dirty="0">
+                <a:solidFill>
+                  <a:schemeClr val="bg2"/>
+                </a:solidFill>
+              </a:rPr>
+              <a:t>Java </a:t>
+            </a:r>
+            <a:r>
+              <a:rPr lang="en-US" sz="1050" dirty="0" err="1">
+                <a:solidFill>
+                  <a:schemeClr val="bg2"/>
+                </a:solidFill>
+              </a:rPr>
+              <a:t>Buildpack</a:t>
+            </a:r>
+            <a:r>
+              <a:rPr lang="en-US" sz="1050" dirty="0">
+                <a:solidFill>
+                  <a:schemeClr val="bg2"/>
+                </a:solidFill>
+              </a:rPr>
+              <a:t>, 12 Factor apps</a:t>
+            </a:r>
+            <a:endParaRPr lang="en-US" sz="1050" dirty="0" smtClean="0">
+              <a:solidFill>
+                <a:schemeClr val="bg2"/>
+              </a:solidFill>
+            </a:endParaRPr>
+          </a:p>
+        </p:txBody>
+      </p:sp>
+      <p:sp>
+        <p:nvSpPr>
+          <p:cNvPr id="12" name="TextBox 11"/>
+          <p:cNvSpPr txBox="1"/>
+          <p:nvPr/>
+        </p:nvSpPr>
+        <p:spPr>
+          <a:xfrm>
+            <a:off x="4443128" y="1866388"/>
+            <a:ext cx="1701496" cy="415498"/>
+          </a:xfrm>
+          <a:prstGeom prst="rect">
+            <a:avLst/>
+          </a:prstGeom>
+          <a:noFill/>
+        </p:spPr>
+        <p:txBody>
+          <a:bodyPr wrap="square" rtlCol="0">
+            <a:spAutoFit/>
+          </a:bodyPr>
+          <a:lstStyle/>
+          <a:p>
+            <a:pPr algn="ctr"/>
+            <a:r>
+              <a:rPr lang="en-US" sz="1050" dirty="0">
+                <a:solidFill>
+                  <a:schemeClr val="bg2"/>
+                </a:solidFill>
+              </a:rPr>
+              <a:t>Cloud Native .NET Workshop</a:t>
+            </a:r>
+            <a:endParaRPr lang="en-US" sz="1050" dirty="0" smtClean="0">
+              <a:solidFill>
+                <a:schemeClr val="bg2"/>
+              </a:solidFill>
+            </a:endParaRPr>
+          </a:p>
+        </p:txBody>
+      </p:sp>
+      <p:sp>
+        <p:nvSpPr>
+          <p:cNvPr id="13" name="TextBox 12"/>
+          <p:cNvSpPr txBox="1"/>
+          <p:nvPr/>
+        </p:nvSpPr>
+        <p:spPr>
+          <a:xfrm>
+            <a:off x="6958383" y="1928041"/>
+            <a:ext cx="1701496" cy="261610"/>
+          </a:xfrm>
+          <a:prstGeom prst="rect">
+            <a:avLst/>
+          </a:prstGeom>
+          <a:noFill/>
+        </p:spPr>
+        <p:txBody>
+          <a:bodyPr wrap="square" rtlCol="0">
+            <a:spAutoFit/>
+          </a:bodyPr>
+          <a:lstStyle/>
+          <a:p>
+            <a:pPr algn="ctr"/>
+            <a:r>
+              <a:rPr lang="en-US" sz="1050" dirty="0">
+                <a:solidFill>
+                  <a:schemeClr val="bg2"/>
+                </a:solidFill>
+              </a:rPr>
+              <a:t>Data Services with PCF</a:t>
+            </a:r>
+            <a:endParaRPr lang="en-US" sz="1050" dirty="0" smtClean="0">
+              <a:solidFill>
+                <a:schemeClr val="bg2"/>
+              </a:solidFill>
+            </a:endParaRPr>
+          </a:p>
+        </p:txBody>
+      </p:sp>
+      <p:sp>
+        <p:nvSpPr>
+          <p:cNvPr id="14" name="TextBox 13"/>
+          <p:cNvSpPr txBox="1"/>
+          <p:nvPr/>
+        </p:nvSpPr>
+        <p:spPr>
+          <a:xfrm>
+            <a:off x="1644290" y="4209246"/>
+            <a:ext cx="1701496" cy="415498"/>
+          </a:xfrm>
+          <a:prstGeom prst="rect">
+            <a:avLst/>
+          </a:prstGeom>
+          <a:noFill/>
+        </p:spPr>
+        <p:txBody>
+          <a:bodyPr wrap="square" rtlCol="0">
+            <a:spAutoFit/>
+          </a:bodyPr>
+          <a:lstStyle/>
+          <a:p>
+            <a:pPr algn="ctr"/>
+            <a:r>
+              <a:rPr lang="en-US" sz="1050" dirty="0">
+                <a:solidFill>
+                  <a:schemeClr val="bg2"/>
+                </a:solidFill>
+              </a:rPr>
+              <a:t>Unhook yourself from your Dad’s ESB</a:t>
+            </a:r>
+            <a:endParaRPr lang="en-US" sz="1050" dirty="0" smtClean="0">
+              <a:solidFill>
+                <a:schemeClr val="bg2"/>
+              </a:solidFill>
+            </a:endParaRPr>
+          </a:p>
+        </p:txBody>
+      </p:sp>
+      <p:sp>
+        <p:nvSpPr>
+          <p:cNvPr id="15" name="TextBox 14"/>
+          <p:cNvSpPr txBox="1"/>
+          <p:nvPr/>
+        </p:nvSpPr>
+        <p:spPr>
+          <a:xfrm>
+            <a:off x="6440537" y="4443532"/>
+            <a:ext cx="1701496" cy="415498"/>
+          </a:xfrm>
+          <a:prstGeom prst="rect">
+            <a:avLst/>
+          </a:prstGeom>
+          <a:noFill/>
+        </p:spPr>
+        <p:txBody>
+          <a:bodyPr wrap="square" rtlCol="0">
+            <a:spAutoFit/>
+          </a:bodyPr>
+          <a:lstStyle/>
+          <a:p>
+            <a:pPr algn="ctr"/>
+            <a:r>
+              <a:rPr lang="en-US" sz="1050" dirty="0">
+                <a:solidFill>
+                  <a:schemeClr val="bg2"/>
+                </a:solidFill>
+              </a:rPr>
+              <a:t>Supercharge your </a:t>
+            </a:r>
+            <a:r>
+              <a:rPr lang="en-US" sz="1050" dirty="0" err="1">
+                <a:solidFill>
+                  <a:schemeClr val="bg2"/>
+                </a:solidFill>
+              </a:rPr>
+              <a:t>Microservices</a:t>
+            </a:r>
+            <a:endParaRPr lang="en-US" sz="1050" dirty="0" smtClean="0">
+              <a:solidFill>
+                <a:schemeClr val="bg2"/>
+              </a:solidFill>
+            </a:endParaRPr>
+          </a:p>
+        </p:txBody>
+      </p:sp>
+    </p:spTree>
+    <p:extLst>
+      <p:ext uri="{BB962C8B-B14F-4D97-AF65-F5344CB8AC3E}">
+        <p14:creationId xmlns:p14="http://schemas.microsoft.com/office/powerpoint/2010/main" val="2246677241"/>
       </p:ext>
     </p:extLst>
   </p:cSld>
